--- a/REKAPITULASI/PPT-VOS-COAUTHORSHIP.pptx
+++ b/REKAPITULASI/PPT-VOS-COAUTHORSHIP.pptx
@@ -88,7 +88,7 @@
         <p:spPr>
           <a:xfrm>
             <a:off x="504000" y="226080"/>
-            <a:ext cx="9070920" cy="945720"/>
+            <a:ext cx="9072000" cy="946440"/>
           </a:xfrm>
           <a:prstGeom prst="rect">
             <a:avLst/>
@@ -119,7 +119,7 @@
         <p:spPr>
           <a:xfrm>
             <a:off x="504000" y="1326600"/>
-            <a:ext cx="9071640" cy="1568160"/>
+            <a:ext cx="9072000" cy="1568520"/>
           </a:xfrm>
           <a:prstGeom prst="rect">
             <a:avLst/>
@@ -148,8 +148,8 @@
         </p:nvSpPr>
         <p:spPr>
           <a:xfrm>
-            <a:off x="504000" y="3044160"/>
-            <a:ext cx="9071640" cy="1568160"/>
+            <a:off x="504000" y="3044520"/>
+            <a:ext cx="9072000" cy="1568520"/>
           </a:xfrm>
           <a:prstGeom prst="rect">
             <a:avLst/>
@@ -201,7 +201,7 @@
         <p:spPr>
           <a:xfrm>
             <a:off x="504000" y="226080"/>
-            <a:ext cx="9070920" cy="945720"/>
+            <a:ext cx="9072000" cy="946440"/>
           </a:xfrm>
           <a:prstGeom prst="rect">
             <a:avLst/>
@@ -232,7 +232,7 @@
         <p:spPr>
           <a:xfrm>
             <a:off x="504000" y="1326600"/>
-            <a:ext cx="4426920" cy="1568160"/>
+            <a:ext cx="4426920" cy="1568520"/>
           </a:xfrm>
           <a:prstGeom prst="rect">
             <a:avLst/>
@@ -262,7 +262,7 @@
         <p:spPr>
           <a:xfrm>
             <a:off x="5152680" y="1326600"/>
-            <a:ext cx="4426920" cy="1568160"/>
+            <a:ext cx="4426920" cy="1568520"/>
           </a:xfrm>
           <a:prstGeom prst="rect">
             <a:avLst/>
@@ -291,8 +291,8 @@
         </p:nvSpPr>
         <p:spPr>
           <a:xfrm>
-            <a:off x="504000" y="3044160"/>
-            <a:ext cx="4426920" cy="1568160"/>
+            <a:off x="504000" y="3044520"/>
+            <a:ext cx="4426920" cy="1568520"/>
           </a:xfrm>
           <a:prstGeom prst="rect">
             <a:avLst/>
@@ -321,8 +321,8 @@
         </p:nvSpPr>
         <p:spPr>
           <a:xfrm>
-            <a:off x="5152680" y="3044160"/>
-            <a:ext cx="4426920" cy="1568160"/>
+            <a:off x="5152680" y="3044520"/>
+            <a:ext cx="4426920" cy="1568520"/>
           </a:xfrm>
           <a:prstGeom prst="rect">
             <a:avLst/>
@@ -374,7 +374,7 @@
         <p:spPr>
           <a:xfrm>
             <a:off x="504000" y="226080"/>
-            <a:ext cx="9070920" cy="945720"/>
+            <a:ext cx="9072000" cy="946440"/>
           </a:xfrm>
           <a:prstGeom prst="rect">
             <a:avLst/>
@@ -405,7 +405,7 @@
         <p:spPr>
           <a:xfrm>
             <a:off x="504000" y="1326600"/>
-            <a:ext cx="2920680" cy="1568160"/>
+            <a:ext cx="2921040" cy="1568520"/>
           </a:xfrm>
           <a:prstGeom prst="rect">
             <a:avLst/>
@@ -434,8 +434,8 @@
         </p:nvSpPr>
         <p:spPr>
           <a:xfrm>
-            <a:off x="3571200" y="1326600"/>
-            <a:ext cx="2920680" cy="1568160"/>
+            <a:off x="3571560" y="1326600"/>
+            <a:ext cx="2921040" cy="1568520"/>
           </a:xfrm>
           <a:prstGeom prst="rect">
             <a:avLst/>
@@ -464,8 +464,8 @@
         </p:nvSpPr>
         <p:spPr>
           <a:xfrm>
-            <a:off x="6638040" y="1326600"/>
-            <a:ext cx="2920680" cy="1568160"/>
+            <a:off x="6639120" y="1326600"/>
+            <a:ext cx="2921040" cy="1568520"/>
           </a:xfrm>
           <a:prstGeom prst="rect">
             <a:avLst/>
@@ -494,8 +494,8 @@
         </p:nvSpPr>
         <p:spPr>
           <a:xfrm>
-            <a:off x="504000" y="3044160"/>
-            <a:ext cx="2920680" cy="1568160"/>
+            <a:off x="504000" y="3044520"/>
+            <a:ext cx="2921040" cy="1568520"/>
           </a:xfrm>
           <a:prstGeom prst="rect">
             <a:avLst/>
@@ -524,8 +524,8 @@
         </p:nvSpPr>
         <p:spPr>
           <a:xfrm>
-            <a:off x="3571200" y="3044160"/>
-            <a:ext cx="2920680" cy="1568160"/>
+            <a:off x="3571560" y="3044520"/>
+            <a:ext cx="2921040" cy="1568520"/>
           </a:xfrm>
           <a:prstGeom prst="rect">
             <a:avLst/>
@@ -554,8 +554,8 @@
         </p:nvSpPr>
         <p:spPr>
           <a:xfrm>
-            <a:off x="6638040" y="3044160"/>
-            <a:ext cx="2920680" cy="1568160"/>
+            <a:off x="6639120" y="3044520"/>
+            <a:ext cx="2921040" cy="1568520"/>
           </a:xfrm>
           <a:prstGeom prst="rect">
             <a:avLst/>
@@ -607,7 +607,7 @@
         <p:spPr>
           <a:xfrm>
             <a:off x="504000" y="226080"/>
-            <a:ext cx="9070920" cy="945720"/>
+            <a:ext cx="9072000" cy="946440"/>
           </a:xfrm>
           <a:prstGeom prst="rect">
             <a:avLst/>
@@ -638,7 +638,7 @@
         <p:spPr>
           <a:xfrm>
             <a:off x="504000" y="1326600"/>
-            <a:ext cx="9071640" cy="3288240"/>
+            <a:ext cx="9072000" cy="3288600"/>
           </a:xfrm>
           <a:prstGeom prst="rect">
             <a:avLst/>
@@ -691,7 +691,7 @@
         <p:spPr>
           <a:xfrm>
             <a:off x="504000" y="226080"/>
-            <a:ext cx="9070920" cy="945720"/>
+            <a:ext cx="9072000" cy="946440"/>
           </a:xfrm>
           <a:prstGeom prst="rect">
             <a:avLst/>
@@ -722,7 +722,7 @@
         <p:spPr>
           <a:xfrm>
             <a:off x="504000" y="1326600"/>
-            <a:ext cx="9071640" cy="3288240"/>
+            <a:ext cx="9072000" cy="3288600"/>
           </a:xfrm>
           <a:prstGeom prst="rect">
             <a:avLst/>
@@ -774,7 +774,7 @@
         <p:spPr>
           <a:xfrm>
             <a:off x="504000" y="226080"/>
-            <a:ext cx="9070920" cy="945720"/>
+            <a:ext cx="9072000" cy="946440"/>
           </a:xfrm>
           <a:prstGeom prst="rect">
             <a:avLst/>
@@ -805,7 +805,7 @@
         <p:spPr>
           <a:xfrm>
             <a:off x="504000" y="1326600"/>
-            <a:ext cx="4426920" cy="3288240"/>
+            <a:ext cx="4426920" cy="3288600"/>
           </a:xfrm>
           <a:prstGeom prst="rect">
             <a:avLst/>
@@ -835,7 +835,7 @@
         <p:spPr>
           <a:xfrm>
             <a:off x="5152680" y="1326600"/>
-            <a:ext cx="4426920" cy="3288240"/>
+            <a:ext cx="4426920" cy="3288600"/>
           </a:xfrm>
           <a:prstGeom prst="rect">
             <a:avLst/>
@@ -887,7 +887,7 @@
         <p:spPr>
           <a:xfrm>
             <a:off x="504000" y="226080"/>
-            <a:ext cx="9070920" cy="945720"/>
+            <a:ext cx="9072000" cy="946440"/>
           </a:xfrm>
           <a:prstGeom prst="rect">
             <a:avLst/>
@@ -940,7 +940,7 @@
         <p:spPr>
           <a:xfrm>
             <a:off x="504000" y="226080"/>
-            <a:ext cx="9070920" cy="4385160"/>
+            <a:ext cx="9072000" cy="4388400"/>
           </a:xfrm>
           <a:prstGeom prst="rect">
             <a:avLst/>
@@ -993,7 +993,7 @@
         <p:spPr>
           <a:xfrm>
             <a:off x="504000" y="226080"/>
-            <a:ext cx="9070920" cy="945720"/>
+            <a:ext cx="9072000" cy="946440"/>
           </a:xfrm>
           <a:prstGeom prst="rect">
             <a:avLst/>
@@ -1024,7 +1024,7 @@
         <p:spPr>
           <a:xfrm>
             <a:off x="504000" y="1326600"/>
-            <a:ext cx="4426920" cy="1568160"/>
+            <a:ext cx="4426920" cy="1568520"/>
           </a:xfrm>
           <a:prstGeom prst="rect">
             <a:avLst/>
@@ -1054,7 +1054,7 @@
         <p:spPr>
           <a:xfrm>
             <a:off x="5152680" y="1326600"/>
-            <a:ext cx="4426920" cy="3288240"/>
+            <a:ext cx="4426920" cy="3288600"/>
           </a:xfrm>
           <a:prstGeom prst="rect">
             <a:avLst/>
@@ -1083,8 +1083,8 @@
         </p:nvSpPr>
         <p:spPr>
           <a:xfrm>
-            <a:off x="504000" y="3044160"/>
-            <a:ext cx="4426920" cy="1568160"/>
+            <a:off x="504000" y="3044520"/>
+            <a:ext cx="4426920" cy="1568520"/>
           </a:xfrm>
           <a:prstGeom prst="rect">
             <a:avLst/>
@@ -1136,7 +1136,7 @@
         <p:spPr>
           <a:xfrm>
             <a:off x="504000" y="226080"/>
-            <a:ext cx="9070920" cy="945720"/>
+            <a:ext cx="9072000" cy="946440"/>
           </a:xfrm>
           <a:prstGeom prst="rect">
             <a:avLst/>
@@ -1167,7 +1167,7 @@
         <p:spPr>
           <a:xfrm>
             <a:off x="504000" y="1326600"/>
-            <a:ext cx="4426920" cy="3288240"/>
+            <a:ext cx="4426920" cy="3288600"/>
           </a:xfrm>
           <a:prstGeom prst="rect">
             <a:avLst/>
@@ -1197,7 +1197,7 @@
         <p:spPr>
           <a:xfrm>
             <a:off x="5152680" y="1326600"/>
-            <a:ext cx="4426920" cy="1568160"/>
+            <a:ext cx="4426920" cy="1568520"/>
           </a:xfrm>
           <a:prstGeom prst="rect">
             <a:avLst/>
@@ -1226,8 +1226,8 @@
         </p:nvSpPr>
         <p:spPr>
           <a:xfrm>
-            <a:off x="5152680" y="3044160"/>
-            <a:ext cx="4426920" cy="1568160"/>
+            <a:off x="5152680" y="3044520"/>
+            <a:ext cx="4426920" cy="1568520"/>
           </a:xfrm>
           <a:prstGeom prst="rect">
             <a:avLst/>
@@ -1279,7 +1279,7 @@
         <p:spPr>
           <a:xfrm>
             <a:off x="504000" y="226080"/>
-            <a:ext cx="9070920" cy="945720"/>
+            <a:ext cx="9072000" cy="946440"/>
           </a:xfrm>
           <a:prstGeom prst="rect">
             <a:avLst/>
@@ -1310,7 +1310,7 @@
         <p:spPr>
           <a:xfrm>
             <a:off x="504000" y="1326600"/>
-            <a:ext cx="4426920" cy="1568160"/>
+            <a:ext cx="4426920" cy="1568520"/>
           </a:xfrm>
           <a:prstGeom prst="rect">
             <a:avLst/>
@@ -1340,7 +1340,7 @@
         <p:spPr>
           <a:xfrm>
             <a:off x="5152680" y="1326600"/>
-            <a:ext cx="4426920" cy="1568160"/>
+            <a:ext cx="4426920" cy="1568520"/>
           </a:xfrm>
           <a:prstGeom prst="rect">
             <a:avLst/>
@@ -1369,8 +1369,8 @@
         </p:nvSpPr>
         <p:spPr>
           <a:xfrm>
-            <a:off x="504000" y="3044160"/>
-            <a:ext cx="9071640" cy="1568160"/>
+            <a:off x="504000" y="3044520"/>
+            <a:ext cx="9072000" cy="1568520"/>
           </a:xfrm>
           <a:prstGeom prst="rect">
             <a:avLst/>
@@ -1422,7 +1422,7 @@
         <p:spPr>
           <a:xfrm>
             <a:off x="504000" y="226080"/>
-            <a:ext cx="9070920" cy="945720"/>
+            <a:ext cx="9072000" cy="946440"/>
           </a:xfrm>
           <a:prstGeom prst="rect">
             <a:avLst/>
@@ -1435,12 +1435,12 @@
           <a:p>
             <a:pPr algn="ctr"/>
             <a:r>
-              <a:rPr b="0" lang="en-ID" sz="1800" spc="-1" strike="noStrike">
+              <a:rPr b="0" lang="en-ID" sz="4400" spc="-1" strike="noStrike">
                 <a:latin typeface="Arial"/>
               </a:rPr>
               <a:t>Click to edit the title text format</a:t>
             </a:r>
-            <a:endParaRPr b="0" lang="en-ID" sz="1800" spc="-1" strike="noStrike">
+            <a:endParaRPr b="0" lang="en-ID" sz="4400" spc="-1" strike="noStrike">
               <a:latin typeface="Arial"/>
             </a:endParaRPr>
           </a:p>
@@ -1459,7 +1459,7 @@
         <p:spPr>
           <a:xfrm>
             <a:off x="504000" y="1326600"/>
-            <a:ext cx="9071640" cy="3288240"/>
+            <a:ext cx="9072000" cy="3288600"/>
           </a:xfrm>
           <a:prstGeom prst="rect">
             <a:avLst/>
@@ -1470,7 +1470,7 @@
             <a:normAutofit/>
           </a:bodyPr>
           <a:p>
-            <a:pPr marL="432000" indent="-324000" algn="ctr">
+            <a:pPr marL="432000" indent="-324000">
               <a:spcBef>
                 <a:spcPts val="1417"/>
               </a:spcBef>
@@ -1482,17 +1482,17 @@
               <a:buChar char=""/>
             </a:pPr>
             <a:r>
-              <a:rPr b="0" lang="en-ID" sz="1800" spc="-1" strike="noStrike">
+              <a:rPr b="0" lang="en-ID" sz="3200" spc="-1" strike="noStrike">
                 <a:latin typeface="Arial"/>
               </a:rPr>
               <a:t>Click to edit the outline text format</a:t>
             </a:r>
-            <a:endParaRPr b="0" lang="en-ID" sz="1800" spc="-1" strike="noStrike">
-              <a:latin typeface="Arial"/>
-            </a:endParaRPr>
-          </a:p>
-          <a:p>
-            <a:pPr lvl="1" marL="864000" indent="-324000" algn="ctr">
+            <a:endParaRPr b="0" lang="en-ID" sz="3200" spc="-1" strike="noStrike">
+              <a:latin typeface="Arial"/>
+            </a:endParaRPr>
+          </a:p>
+          <a:p>
+            <a:pPr lvl="1" marL="864000" indent="-324000">
               <a:spcBef>
                 <a:spcPts val="1134"/>
               </a:spcBef>
@@ -1504,17 +1504,17 @@
               <a:buChar char=""/>
             </a:pPr>
             <a:r>
-              <a:rPr b="0" lang="en-ID" sz="1800" spc="-1" strike="noStrike">
+              <a:rPr b="0" lang="en-ID" sz="2800" spc="-1" strike="noStrike">
                 <a:latin typeface="Arial"/>
               </a:rPr>
               <a:t>Second Outline Level</a:t>
             </a:r>
-            <a:endParaRPr b="0" lang="en-ID" sz="1800" spc="-1" strike="noStrike">
-              <a:latin typeface="Arial"/>
-            </a:endParaRPr>
-          </a:p>
-          <a:p>
-            <a:pPr lvl="2" marL="1296000" indent="-288000" algn="ctr">
+            <a:endParaRPr b="0" lang="en-ID" sz="2800" spc="-1" strike="noStrike">
+              <a:latin typeface="Arial"/>
+            </a:endParaRPr>
+          </a:p>
+          <a:p>
+            <a:pPr lvl="2" marL="1296000" indent="-288000">
               <a:spcBef>
                 <a:spcPts val="850"/>
               </a:spcBef>
@@ -1526,17 +1526,17 @@
               <a:buChar char=""/>
             </a:pPr>
             <a:r>
-              <a:rPr b="0" lang="en-ID" sz="1800" spc="-1" strike="noStrike">
+              <a:rPr b="0" lang="en-ID" sz="2400" spc="-1" strike="noStrike">
                 <a:latin typeface="Arial"/>
               </a:rPr>
               <a:t>Third Outline Level</a:t>
             </a:r>
-            <a:endParaRPr b="0" lang="en-ID" sz="1800" spc="-1" strike="noStrike">
-              <a:latin typeface="Arial"/>
-            </a:endParaRPr>
-          </a:p>
-          <a:p>
-            <a:pPr lvl="3" marL="1728000" indent="-216000" algn="ctr">
+            <a:endParaRPr b="0" lang="en-ID" sz="2400" spc="-1" strike="noStrike">
+              <a:latin typeface="Arial"/>
+            </a:endParaRPr>
+          </a:p>
+          <a:p>
+            <a:pPr lvl="3" marL="1728000" indent="-216000">
               <a:spcBef>
                 <a:spcPts val="567"/>
               </a:spcBef>
@@ -1548,17 +1548,17 @@
               <a:buChar char=""/>
             </a:pPr>
             <a:r>
-              <a:rPr b="0" lang="en-ID" sz="1800" spc="-1" strike="noStrike">
+              <a:rPr b="0" lang="en-ID" sz="2000" spc="-1" strike="noStrike">
                 <a:latin typeface="Arial"/>
               </a:rPr>
               <a:t>Fourth Outline Level</a:t>
             </a:r>
-            <a:endParaRPr b="0" lang="en-ID" sz="1800" spc="-1" strike="noStrike">
-              <a:latin typeface="Arial"/>
-            </a:endParaRPr>
-          </a:p>
-          <a:p>
-            <a:pPr lvl="4" marL="2160000" indent="-216000" algn="ctr">
+            <a:endParaRPr b="0" lang="en-ID" sz="2000" spc="-1" strike="noStrike">
+              <a:latin typeface="Arial"/>
+            </a:endParaRPr>
+          </a:p>
+          <a:p>
+            <a:pPr lvl="4" marL="2160000" indent="-216000">
               <a:spcBef>
                 <a:spcPts val="283"/>
               </a:spcBef>
@@ -1570,17 +1570,17 @@
               <a:buChar char=""/>
             </a:pPr>
             <a:r>
-              <a:rPr b="0" lang="en-ID" sz="1800" spc="-1" strike="noStrike">
+              <a:rPr b="0" lang="en-ID" sz="2000" spc="-1" strike="noStrike">
                 <a:latin typeface="Arial"/>
               </a:rPr>
               <a:t>Fifth Outline Level</a:t>
             </a:r>
-            <a:endParaRPr b="0" lang="en-ID" sz="1800" spc="-1" strike="noStrike">
-              <a:latin typeface="Arial"/>
-            </a:endParaRPr>
-          </a:p>
-          <a:p>
-            <a:pPr lvl="5" marL="2592000" indent="-216000" algn="ctr">
+            <a:endParaRPr b="0" lang="en-ID" sz="2000" spc="-1" strike="noStrike">
+              <a:latin typeface="Arial"/>
+            </a:endParaRPr>
+          </a:p>
+          <a:p>
+            <a:pPr lvl="5" marL="2592000" indent="-216000">
               <a:spcBef>
                 <a:spcPts val="283"/>
               </a:spcBef>
@@ -1592,17 +1592,17 @@
               <a:buChar char=""/>
             </a:pPr>
             <a:r>
-              <a:rPr b="0" lang="en-ID" sz="1800" spc="-1" strike="noStrike">
+              <a:rPr b="0" lang="en-ID" sz="2000" spc="-1" strike="noStrike">
                 <a:latin typeface="Arial"/>
               </a:rPr>
               <a:t>Sixth Outline Level</a:t>
             </a:r>
-            <a:endParaRPr b="0" lang="en-ID" sz="1800" spc="-1" strike="noStrike">
-              <a:latin typeface="Arial"/>
-            </a:endParaRPr>
-          </a:p>
-          <a:p>
-            <a:pPr lvl="6" marL="3024000" indent="-216000" algn="ctr">
+            <a:endParaRPr b="0" lang="en-ID" sz="2000" spc="-1" strike="noStrike">
+              <a:latin typeface="Arial"/>
+            </a:endParaRPr>
+          </a:p>
+          <a:p>
+            <a:pPr lvl="6" marL="3024000" indent="-216000">
               <a:spcBef>
                 <a:spcPts val="283"/>
               </a:spcBef>
@@ -1614,12 +1614,12 @@
               <a:buChar char=""/>
             </a:pPr>
             <a:r>
-              <a:rPr b="0" lang="en-ID" sz="1800" spc="-1" strike="noStrike">
+              <a:rPr b="0" lang="en-ID" sz="2000" spc="-1" strike="noStrike">
                 <a:latin typeface="Arial"/>
               </a:rPr>
               <a:t>Seventh Outline Level</a:t>
             </a:r>
-            <a:endParaRPr b="0" lang="en-ID" sz="1800" spc="-1" strike="noStrike">
+            <a:endParaRPr b="0" lang="en-ID" sz="2000" spc="-1" strike="noStrike">
               <a:latin typeface="Arial"/>
             </a:endParaRPr>
           </a:p>
@@ -1671,7 +1671,7 @@
         <p:spPr>
           <a:xfrm>
             <a:off x="548640" y="226080"/>
-            <a:ext cx="9026280" cy="2608200"/>
+            <a:ext cx="9025920" cy="2607840"/>
           </a:xfrm>
           <a:prstGeom prst="rect">
             <a:avLst/>
@@ -1722,7 +1722,7 @@
         <p:spPr>
           <a:xfrm>
             <a:off x="548640" y="2834640"/>
-            <a:ext cx="9071640" cy="2468520"/>
+            <a:ext cx="9071280" cy="2468160"/>
           </a:xfrm>
           <a:prstGeom prst="rect">
             <a:avLst/>
@@ -1743,7 +1743,7 @@
             <a:normAutofit/>
           </a:bodyPr>
           <a:p>
-            <a:pPr marL="432000" indent="-323640">
+            <a:pPr marL="432000" indent="-323280">
               <a:lnSpc>
                 <a:spcPct val="100000"/>
               </a:lnSpc>
@@ -1759,7 +1759,11 @@
             </a:pPr>
             <a:r>
               <a:rPr b="0" lang="en-ID" sz="1600" spc="-1" strike="noStrike">
+                <a:solidFill>
+                  <a:srgbClr val="000000"/>
+                </a:solidFill>
                 <a:latin typeface="Arial"/>
+                <a:ea typeface="DejaVu Sans"/>
               </a:rPr>
               <a:t>Berdasarkan Scopus, search affiliation, limit to 2019</a:t>
             </a:r>
@@ -1768,7 +1772,7 @@
             </a:endParaRPr>
           </a:p>
           <a:p>
-            <a:pPr marL="432000" indent="-323640">
+            <a:pPr marL="432000" indent="-323280">
               <a:lnSpc>
                 <a:spcPct val="100000"/>
               </a:lnSpc>
@@ -1784,7 +1788,11 @@
             </a:pPr>
             <a:r>
               <a:rPr b="0" lang="en-ID" sz="1600" spc="-1" strike="noStrike">
+                <a:solidFill>
+                  <a:srgbClr val="000000"/>
+                </a:solidFill>
                 <a:latin typeface="Arial"/>
+                <a:ea typeface="DejaVu Sans"/>
               </a:rPr>
               <a:t>Tanggal pengunduhan 25-26 Agt 2020</a:t>
             </a:r>
@@ -1793,7 +1801,7 @@
             </a:endParaRPr>
           </a:p>
           <a:p>
-            <a:pPr marL="432000" indent="-323640">
+            <a:pPr marL="432000" indent="-323280">
               <a:lnSpc>
                 <a:spcPct val="100000"/>
               </a:lnSpc>
@@ -1809,7 +1817,11 @@
             </a:pPr>
             <a:r>
               <a:rPr b="0" lang="en-ID" sz="1600" spc="-1" strike="noStrike">
+                <a:solidFill>
+                  <a:srgbClr val="000000"/>
+                </a:solidFill>
                 <a:latin typeface="Arial"/>
+                <a:ea typeface="DejaVu Sans"/>
               </a:rPr>
               <a:t>Dasapta Erwin Irawan</a:t>
             </a:r>
@@ -1851,14 +1863,14 @@
       </p:grpSpPr>
       <p:sp>
         <p:nvSpPr>
-          <p:cNvPr id="48" name="CustomShape 1"/>
+          <p:cNvPr id="49" name="CustomShape 1"/>
           <p:cNvSpPr/>
           <p:nvPr/>
         </p:nvSpPr>
         <p:spPr>
           <a:xfrm>
             <a:off x="504000" y="226080"/>
-            <a:ext cx="9070920" cy="3522960"/>
+            <a:ext cx="9070560" cy="3522600"/>
           </a:xfrm>
           <a:prstGeom prst="rect">
             <a:avLst/>
@@ -1932,14 +1944,14 @@
       </p:grpSpPr>
       <p:sp>
         <p:nvSpPr>
-          <p:cNvPr id="49" name="CustomShape 1"/>
+          <p:cNvPr id="50" name="CustomShape 1"/>
           <p:cNvSpPr/>
           <p:nvPr/>
         </p:nvSpPr>
         <p:spPr>
           <a:xfrm>
             <a:off x="504000" y="226080"/>
-            <a:ext cx="9070920" cy="945720"/>
+            <a:ext cx="9070560" cy="945360"/>
           </a:xfrm>
           <a:prstGeom prst="rect">
             <a:avLst/>
@@ -1981,6 +1993,29 @@
           </a:p>
         </p:txBody>
       </p:sp>
+      <p:pic>
+        <p:nvPicPr>
+          <p:cNvPr id="51" name="" descr=""/>
+          <p:cNvPicPr/>
+          <p:nvPr/>
+        </p:nvPicPr>
+        <p:blipFill>
+          <a:blip r:embed="rId1"/>
+          <a:stretch/>
+        </p:blipFill>
+        <p:spPr>
+          <a:xfrm>
+            <a:off x="3090600" y="-360"/>
+            <a:ext cx="3886920" cy="5670360"/>
+          </a:xfrm>
+          <a:prstGeom prst="rect">
+            <a:avLst/>
+          </a:prstGeom>
+          <a:ln>
+            <a:noFill/>
+          </a:ln>
+        </p:spPr>
+      </p:pic>
     </p:spTree>
   </p:cSld>
   <mc:AlternateContent>
@@ -2013,14 +2048,14 @@
       </p:grpSpPr>
       <p:sp>
         <p:nvSpPr>
-          <p:cNvPr id="50" name="CustomShape 1"/>
+          <p:cNvPr id="52" name="CustomShape 1"/>
           <p:cNvSpPr/>
           <p:nvPr/>
         </p:nvSpPr>
         <p:spPr>
           <a:xfrm>
             <a:off x="504000" y="226080"/>
-            <a:ext cx="9070920" cy="945720"/>
+            <a:ext cx="9070560" cy="945360"/>
           </a:xfrm>
           <a:prstGeom prst="rect">
             <a:avLst/>
@@ -2094,14 +2129,14 @@
       </p:grpSpPr>
       <p:sp>
         <p:nvSpPr>
-          <p:cNvPr id="51" name="CustomShape 1"/>
+          <p:cNvPr id="53" name="CustomShape 1"/>
           <p:cNvSpPr/>
           <p:nvPr/>
         </p:nvSpPr>
         <p:spPr>
           <a:xfrm>
             <a:off x="504000" y="226080"/>
-            <a:ext cx="9070920" cy="945720"/>
+            <a:ext cx="9070560" cy="945360"/>
           </a:xfrm>
           <a:prstGeom prst="rect">
             <a:avLst/>
@@ -2175,14 +2210,14 @@
       </p:grpSpPr>
       <p:sp>
         <p:nvSpPr>
-          <p:cNvPr id="52" name="CustomShape 1"/>
+          <p:cNvPr id="54" name="CustomShape 1"/>
           <p:cNvSpPr/>
           <p:nvPr/>
         </p:nvSpPr>
         <p:spPr>
           <a:xfrm>
             <a:off x="504000" y="226080"/>
-            <a:ext cx="9070920" cy="945720"/>
+            <a:ext cx="9070560" cy="945360"/>
           </a:xfrm>
           <a:prstGeom prst="rect">
             <a:avLst/>
@@ -2256,14 +2291,14 @@
       </p:grpSpPr>
       <p:sp>
         <p:nvSpPr>
-          <p:cNvPr id="53" name="CustomShape 1"/>
+          <p:cNvPr id="55" name="CustomShape 1"/>
           <p:cNvSpPr/>
           <p:nvPr/>
         </p:nvSpPr>
         <p:spPr>
           <a:xfrm>
             <a:off x="504000" y="226080"/>
-            <a:ext cx="9070920" cy="945720"/>
+            <a:ext cx="9070560" cy="945360"/>
           </a:xfrm>
           <a:prstGeom prst="rect">
             <a:avLst/>
@@ -2337,14 +2372,14 @@
       </p:grpSpPr>
       <p:sp>
         <p:nvSpPr>
-          <p:cNvPr id="54" name="CustomShape 1"/>
+          <p:cNvPr id="56" name="CustomShape 1"/>
           <p:cNvSpPr/>
           <p:nvPr/>
         </p:nvSpPr>
         <p:spPr>
           <a:xfrm>
             <a:off x="504000" y="226080"/>
-            <a:ext cx="9070920" cy="945720"/>
+            <a:ext cx="9070560" cy="945360"/>
           </a:xfrm>
           <a:prstGeom prst="rect">
             <a:avLst/>
@@ -2418,14 +2453,14 @@
       </p:grpSpPr>
       <p:sp>
         <p:nvSpPr>
-          <p:cNvPr id="55" name="CustomShape 1"/>
+          <p:cNvPr id="57" name="CustomShape 1"/>
           <p:cNvSpPr/>
           <p:nvPr/>
         </p:nvSpPr>
         <p:spPr>
           <a:xfrm>
             <a:off x="504000" y="226080"/>
-            <a:ext cx="9070920" cy="945720"/>
+            <a:ext cx="9070560" cy="945360"/>
           </a:xfrm>
           <a:prstGeom prst="rect">
             <a:avLst/>
@@ -2499,14 +2534,14 @@
       </p:grpSpPr>
       <p:sp>
         <p:nvSpPr>
-          <p:cNvPr id="56" name="CustomShape 1"/>
+          <p:cNvPr id="58" name="CustomShape 1"/>
           <p:cNvSpPr/>
           <p:nvPr/>
         </p:nvSpPr>
         <p:spPr>
           <a:xfrm>
             <a:off x="504000" y="226080"/>
-            <a:ext cx="9070920" cy="3522960"/>
+            <a:ext cx="9070560" cy="3522600"/>
           </a:xfrm>
           <a:prstGeom prst="rect">
             <a:avLst/>
@@ -2580,14 +2615,14 @@
       </p:grpSpPr>
       <p:sp>
         <p:nvSpPr>
-          <p:cNvPr id="57" name="CustomShape 1"/>
+          <p:cNvPr id="59" name="CustomShape 1"/>
           <p:cNvSpPr/>
           <p:nvPr/>
         </p:nvSpPr>
         <p:spPr>
           <a:xfrm>
             <a:off x="504000" y="226080"/>
-            <a:ext cx="9070920" cy="945720"/>
+            <a:ext cx="9070560" cy="945360"/>
           </a:xfrm>
           <a:prstGeom prst="rect">
             <a:avLst/>
@@ -2668,7 +2703,7 @@
         <p:spPr>
           <a:xfrm>
             <a:off x="504000" y="226080"/>
-            <a:ext cx="9070920" cy="3157200"/>
+            <a:ext cx="9070560" cy="3156840"/>
           </a:xfrm>
           <a:prstGeom prst="rect">
             <a:avLst/>
@@ -2742,14 +2777,14 @@
       </p:grpSpPr>
       <p:sp>
         <p:nvSpPr>
-          <p:cNvPr id="58" name="CustomShape 1"/>
+          <p:cNvPr id="60" name="CustomShape 1"/>
           <p:cNvSpPr/>
           <p:nvPr/>
         </p:nvSpPr>
         <p:spPr>
           <a:xfrm>
             <a:off x="504000" y="226080"/>
-            <a:ext cx="9070920" cy="945720"/>
+            <a:ext cx="9070560" cy="945360"/>
           </a:xfrm>
           <a:prstGeom prst="rect">
             <a:avLst/>
@@ -2823,14 +2858,14 @@
       </p:grpSpPr>
       <p:sp>
         <p:nvSpPr>
-          <p:cNvPr id="59" name="CustomShape 1"/>
+          <p:cNvPr id="61" name="CustomShape 1"/>
           <p:cNvSpPr/>
           <p:nvPr/>
         </p:nvSpPr>
         <p:spPr>
           <a:xfrm>
             <a:off x="504000" y="226080"/>
-            <a:ext cx="9070920" cy="945720"/>
+            <a:ext cx="9070560" cy="945360"/>
           </a:xfrm>
           <a:prstGeom prst="rect">
             <a:avLst/>
@@ -2904,14 +2939,14 @@
       </p:grpSpPr>
       <p:sp>
         <p:nvSpPr>
-          <p:cNvPr id="60" name="CustomShape 1"/>
+          <p:cNvPr id="62" name="CustomShape 1"/>
           <p:cNvSpPr/>
           <p:nvPr/>
         </p:nvSpPr>
         <p:spPr>
           <a:xfrm>
             <a:off x="504000" y="226080"/>
-            <a:ext cx="9070920" cy="945720"/>
+            <a:ext cx="9070560" cy="945360"/>
           </a:xfrm>
           <a:prstGeom prst="rect">
             <a:avLst/>
@@ -2985,14 +3020,14 @@
       </p:grpSpPr>
       <p:sp>
         <p:nvSpPr>
-          <p:cNvPr id="61" name="CustomShape 1"/>
+          <p:cNvPr id="63" name="CustomShape 1"/>
           <p:cNvSpPr/>
           <p:nvPr/>
         </p:nvSpPr>
         <p:spPr>
           <a:xfrm>
             <a:off x="504000" y="226080"/>
-            <a:ext cx="9070920" cy="945720"/>
+            <a:ext cx="9070560" cy="945360"/>
           </a:xfrm>
           <a:prstGeom prst="rect">
             <a:avLst/>
@@ -3066,14 +3101,14 @@
       </p:grpSpPr>
       <p:sp>
         <p:nvSpPr>
-          <p:cNvPr id="62" name="CustomShape 1"/>
+          <p:cNvPr id="64" name="CustomShape 1"/>
           <p:cNvSpPr/>
           <p:nvPr/>
         </p:nvSpPr>
         <p:spPr>
           <a:xfrm>
             <a:off x="504000" y="226080"/>
-            <a:ext cx="9070920" cy="945720"/>
+            <a:ext cx="9070560" cy="945360"/>
           </a:xfrm>
           <a:prstGeom prst="rect">
             <a:avLst/>
@@ -3147,14 +3182,14 @@
       </p:grpSpPr>
       <p:sp>
         <p:nvSpPr>
-          <p:cNvPr id="63" name="CustomShape 1"/>
+          <p:cNvPr id="65" name="CustomShape 1"/>
           <p:cNvSpPr/>
           <p:nvPr/>
         </p:nvSpPr>
         <p:spPr>
           <a:xfrm>
             <a:off x="504000" y="226080"/>
-            <a:ext cx="9070920" cy="945720"/>
+            <a:ext cx="9070560" cy="945360"/>
           </a:xfrm>
           <a:prstGeom prst="rect">
             <a:avLst/>
@@ -3235,7 +3270,7 @@
         <p:spPr>
           <a:xfrm>
             <a:off x="504000" y="226080"/>
-            <a:ext cx="9070920" cy="945720"/>
+            <a:ext cx="9070560" cy="945360"/>
           </a:xfrm>
           <a:prstGeom prst="rect">
             <a:avLst/>
@@ -3277,6 +3312,29 @@
           </a:p>
         </p:txBody>
       </p:sp>
+      <p:pic>
+        <p:nvPicPr>
+          <p:cNvPr id="42" name="" descr=""/>
+          <p:cNvPicPr/>
+          <p:nvPr/>
+        </p:nvPicPr>
+        <p:blipFill>
+          <a:blip r:embed="rId1"/>
+          <a:stretch/>
+        </p:blipFill>
+        <p:spPr>
+          <a:xfrm>
+            <a:off x="1877040" y="-360"/>
+            <a:ext cx="6314040" cy="5670360"/>
+          </a:xfrm>
+          <a:prstGeom prst="rect">
+            <a:avLst/>
+          </a:prstGeom>
+          <a:ln>
+            <a:noFill/>
+          </a:ln>
+        </p:spPr>
+      </p:pic>
     </p:spTree>
   </p:cSld>
   <mc:AlternateContent>
@@ -3309,14 +3367,14 @@
       </p:grpSpPr>
       <p:sp>
         <p:nvSpPr>
-          <p:cNvPr id="42" name="CustomShape 1"/>
+          <p:cNvPr id="43" name="CustomShape 1"/>
           <p:cNvSpPr/>
           <p:nvPr/>
         </p:nvSpPr>
         <p:spPr>
           <a:xfrm>
             <a:off x="504000" y="226080"/>
-            <a:ext cx="9070920" cy="945720"/>
+            <a:ext cx="9070560" cy="945360"/>
           </a:xfrm>
           <a:prstGeom prst="rect">
             <a:avLst/>
@@ -3390,14 +3448,14 @@
       </p:grpSpPr>
       <p:sp>
         <p:nvSpPr>
-          <p:cNvPr id="43" name="CustomShape 1"/>
+          <p:cNvPr id="44" name="CustomShape 1"/>
           <p:cNvSpPr/>
           <p:nvPr/>
         </p:nvSpPr>
         <p:spPr>
           <a:xfrm>
             <a:off x="504000" y="226080"/>
-            <a:ext cx="9070920" cy="945720"/>
+            <a:ext cx="9070560" cy="945360"/>
           </a:xfrm>
           <a:prstGeom prst="rect">
             <a:avLst/>
@@ -3471,14 +3529,14 @@
       </p:grpSpPr>
       <p:sp>
         <p:nvSpPr>
-          <p:cNvPr id="44" name="CustomShape 1"/>
+          <p:cNvPr id="45" name="CustomShape 1"/>
           <p:cNvSpPr/>
           <p:nvPr/>
         </p:nvSpPr>
         <p:spPr>
           <a:xfrm>
             <a:off x="504000" y="226080"/>
-            <a:ext cx="9070920" cy="945720"/>
+            <a:ext cx="9070560" cy="945360"/>
           </a:xfrm>
           <a:prstGeom prst="rect">
             <a:avLst/>
@@ -3552,14 +3610,14 @@
       </p:grpSpPr>
       <p:sp>
         <p:nvSpPr>
-          <p:cNvPr id="45" name="CustomShape 1"/>
+          <p:cNvPr id="46" name="CustomShape 1"/>
           <p:cNvSpPr/>
           <p:nvPr/>
         </p:nvSpPr>
         <p:spPr>
           <a:xfrm>
             <a:off x="504000" y="226080"/>
-            <a:ext cx="9070920" cy="945720"/>
+            <a:ext cx="9070560" cy="945360"/>
           </a:xfrm>
           <a:prstGeom prst="rect">
             <a:avLst/>
@@ -3633,14 +3691,14 @@
       </p:grpSpPr>
       <p:sp>
         <p:nvSpPr>
-          <p:cNvPr id="46" name="CustomShape 1"/>
+          <p:cNvPr id="47" name="CustomShape 1"/>
           <p:cNvSpPr/>
           <p:nvPr/>
         </p:nvSpPr>
         <p:spPr>
           <a:xfrm>
             <a:off x="504000" y="226080"/>
-            <a:ext cx="9070920" cy="945720"/>
+            <a:ext cx="9070560" cy="945360"/>
           </a:xfrm>
           <a:prstGeom prst="rect">
             <a:avLst/>
@@ -3714,14 +3772,14 @@
       </p:grpSpPr>
       <p:sp>
         <p:nvSpPr>
-          <p:cNvPr id="47" name="CustomShape 1"/>
+          <p:cNvPr id="48" name="CustomShape 1"/>
           <p:cNvSpPr/>
           <p:nvPr/>
         </p:nvSpPr>
         <p:spPr>
           <a:xfrm>
             <a:off x="504000" y="226080"/>
-            <a:ext cx="9070920" cy="945720"/>
+            <a:ext cx="9070560" cy="945360"/>
           </a:xfrm>
           <a:prstGeom prst="rect">
             <a:avLst/>

--- a/REKAPITULASI/PPT-VOS-COAUTHORSHIP.pptx
+++ b/REKAPITULASI/PPT-VOS-COAUTHORSHIP.pptx
@@ -1863,7 +1863,7 @@
       </p:grpSpPr>
       <p:sp>
         <p:nvSpPr>
-          <p:cNvPr id="49" name="CustomShape 1"/>
+          <p:cNvPr id="55" name="CustomShape 1"/>
           <p:cNvSpPr/>
           <p:nvPr/>
         </p:nvSpPr>
@@ -1944,7 +1944,7 @@
       </p:grpSpPr>
       <p:sp>
         <p:nvSpPr>
-          <p:cNvPr id="50" name="CustomShape 1"/>
+          <p:cNvPr id="56" name="CustomShape 1"/>
           <p:cNvSpPr/>
           <p:nvPr/>
         </p:nvSpPr>
@@ -1995,7 +1995,7 @@
       </p:sp>
       <p:pic>
         <p:nvPicPr>
-          <p:cNvPr id="51" name="" descr=""/>
+          <p:cNvPr id="57" name="" descr=""/>
           <p:cNvPicPr/>
           <p:nvPr/>
         </p:nvPicPr>
@@ -2048,7 +2048,7 @@
       </p:grpSpPr>
       <p:sp>
         <p:nvSpPr>
-          <p:cNvPr id="52" name="CustomShape 1"/>
+          <p:cNvPr id="58" name="CustomShape 1"/>
           <p:cNvSpPr/>
           <p:nvPr/>
         </p:nvSpPr>
@@ -2129,7 +2129,7 @@
       </p:grpSpPr>
       <p:sp>
         <p:nvSpPr>
-          <p:cNvPr id="53" name="CustomShape 1"/>
+          <p:cNvPr id="59" name="CustomShape 1"/>
           <p:cNvSpPr/>
           <p:nvPr/>
         </p:nvSpPr>
@@ -2210,7 +2210,7 @@
       </p:grpSpPr>
       <p:sp>
         <p:nvSpPr>
-          <p:cNvPr id="54" name="CustomShape 1"/>
+          <p:cNvPr id="60" name="CustomShape 1"/>
           <p:cNvSpPr/>
           <p:nvPr/>
         </p:nvSpPr>
@@ -2291,7 +2291,7 @@
       </p:grpSpPr>
       <p:sp>
         <p:nvSpPr>
-          <p:cNvPr id="55" name="CustomShape 1"/>
+          <p:cNvPr id="61" name="CustomShape 1"/>
           <p:cNvSpPr/>
           <p:nvPr/>
         </p:nvSpPr>
@@ -2372,7 +2372,7 @@
       </p:grpSpPr>
       <p:sp>
         <p:nvSpPr>
-          <p:cNvPr id="56" name="CustomShape 1"/>
+          <p:cNvPr id="62" name="CustomShape 1"/>
           <p:cNvSpPr/>
           <p:nvPr/>
         </p:nvSpPr>
@@ -2453,7 +2453,7 @@
       </p:grpSpPr>
       <p:sp>
         <p:nvSpPr>
-          <p:cNvPr id="57" name="CustomShape 1"/>
+          <p:cNvPr id="63" name="CustomShape 1"/>
           <p:cNvSpPr/>
           <p:nvPr/>
         </p:nvSpPr>
@@ -2534,7 +2534,7 @@
       </p:grpSpPr>
       <p:sp>
         <p:nvSpPr>
-          <p:cNvPr id="58" name="CustomShape 1"/>
+          <p:cNvPr id="64" name="CustomShape 1"/>
           <p:cNvSpPr/>
           <p:nvPr/>
         </p:nvSpPr>
@@ -2615,7 +2615,7 @@
       </p:grpSpPr>
       <p:sp>
         <p:nvSpPr>
-          <p:cNvPr id="59" name="CustomShape 1"/>
+          <p:cNvPr id="65" name="CustomShape 1"/>
           <p:cNvSpPr/>
           <p:nvPr/>
         </p:nvSpPr>
@@ -2777,7 +2777,7 @@
       </p:grpSpPr>
       <p:sp>
         <p:nvSpPr>
-          <p:cNvPr id="60" name="CustomShape 1"/>
+          <p:cNvPr id="66" name="CustomShape 1"/>
           <p:cNvSpPr/>
           <p:nvPr/>
         </p:nvSpPr>
@@ -2858,7 +2858,7 @@
       </p:grpSpPr>
       <p:sp>
         <p:nvSpPr>
-          <p:cNvPr id="61" name="CustomShape 1"/>
+          <p:cNvPr id="67" name="CustomShape 1"/>
           <p:cNvSpPr/>
           <p:nvPr/>
         </p:nvSpPr>
@@ -2939,7 +2939,7 @@
       </p:grpSpPr>
       <p:sp>
         <p:nvSpPr>
-          <p:cNvPr id="62" name="CustomShape 1"/>
+          <p:cNvPr id="68" name="CustomShape 1"/>
           <p:cNvSpPr/>
           <p:nvPr/>
         </p:nvSpPr>
@@ -3020,7 +3020,7 @@
       </p:grpSpPr>
       <p:sp>
         <p:nvSpPr>
-          <p:cNvPr id="63" name="CustomShape 1"/>
+          <p:cNvPr id="69" name="CustomShape 1"/>
           <p:cNvSpPr/>
           <p:nvPr/>
         </p:nvSpPr>
@@ -3101,7 +3101,7 @@
       </p:grpSpPr>
       <p:sp>
         <p:nvSpPr>
-          <p:cNvPr id="64" name="CustomShape 1"/>
+          <p:cNvPr id="70" name="CustomShape 1"/>
           <p:cNvSpPr/>
           <p:nvPr/>
         </p:nvSpPr>
@@ -3182,7 +3182,7 @@
       </p:grpSpPr>
       <p:sp>
         <p:nvSpPr>
-          <p:cNvPr id="65" name="CustomShape 1"/>
+          <p:cNvPr id="71" name="CustomShape 1"/>
           <p:cNvSpPr/>
           <p:nvPr/>
         </p:nvSpPr>
@@ -3416,6 +3416,29 @@
           </a:p>
         </p:txBody>
       </p:sp>
+      <p:pic>
+        <p:nvPicPr>
+          <p:cNvPr id="44" name="" descr=""/>
+          <p:cNvPicPr/>
+          <p:nvPr/>
+        </p:nvPicPr>
+        <p:blipFill>
+          <a:blip r:embed="rId1"/>
+          <a:stretch/>
+        </p:blipFill>
+        <p:spPr>
+          <a:xfrm>
+            <a:off x="2367360" y="290160"/>
+            <a:ext cx="6404400" cy="5670360"/>
+          </a:xfrm>
+          <a:prstGeom prst="rect">
+            <a:avLst/>
+          </a:prstGeom>
+          <a:ln>
+            <a:noFill/>
+          </a:ln>
+        </p:spPr>
+      </p:pic>
     </p:spTree>
   </p:cSld>
   <mc:AlternateContent>
@@ -3448,7 +3471,7 @@
       </p:grpSpPr>
       <p:sp>
         <p:nvSpPr>
-          <p:cNvPr id="44" name="CustomShape 1"/>
+          <p:cNvPr id="45" name="CustomShape 1"/>
           <p:cNvSpPr/>
           <p:nvPr/>
         </p:nvSpPr>
@@ -3497,6 +3520,29 @@
           </a:p>
         </p:txBody>
       </p:sp>
+      <p:pic>
+        <p:nvPicPr>
+          <p:cNvPr id="46" name="" descr=""/>
+          <p:cNvPicPr/>
+          <p:nvPr/>
+        </p:nvPicPr>
+        <p:blipFill>
+          <a:blip r:embed="rId1"/>
+          <a:stretch/>
+        </p:blipFill>
+        <p:spPr>
+          <a:xfrm>
+            <a:off x="2109600" y="0"/>
+            <a:ext cx="6394320" cy="5670360"/>
+          </a:xfrm>
+          <a:prstGeom prst="rect">
+            <a:avLst/>
+          </a:prstGeom>
+          <a:ln>
+            <a:noFill/>
+          </a:ln>
+        </p:spPr>
+      </p:pic>
     </p:spTree>
   </p:cSld>
   <mc:AlternateContent>
@@ -3529,7 +3575,7 @@
       </p:grpSpPr>
       <p:sp>
         <p:nvSpPr>
-          <p:cNvPr id="45" name="CustomShape 1"/>
+          <p:cNvPr id="47" name="CustomShape 1"/>
           <p:cNvSpPr/>
           <p:nvPr/>
         </p:nvSpPr>
@@ -3578,6 +3624,29 @@
           </a:p>
         </p:txBody>
       </p:sp>
+      <p:pic>
+        <p:nvPicPr>
+          <p:cNvPr id="48" name="" descr=""/>
+          <p:cNvPicPr/>
+          <p:nvPr/>
+        </p:nvPicPr>
+        <p:blipFill>
+          <a:blip r:embed="rId1"/>
+          <a:stretch/>
+        </p:blipFill>
+        <p:spPr>
+          <a:xfrm>
+            <a:off x="3169440" y="21960"/>
+            <a:ext cx="5974560" cy="5670360"/>
+          </a:xfrm>
+          <a:prstGeom prst="rect">
+            <a:avLst/>
+          </a:prstGeom>
+          <a:ln>
+            <a:noFill/>
+          </a:ln>
+        </p:spPr>
+      </p:pic>
     </p:spTree>
   </p:cSld>
   <mc:AlternateContent>
@@ -3610,7 +3679,7 @@
       </p:grpSpPr>
       <p:sp>
         <p:nvSpPr>
-          <p:cNvPr id="46" name="CustomShape 1"/>
+          <p:cNvPr id="49" name="CustomShape 1"/>
           <p:cNvSpPr/>
           <p:nvPr/>
         </p:nvSpPr>
@@ -3659,6 +3728,29 @@
           </a:p>
         </p:txBody>
       </p:sp>
+      <p:pic>
+        <p:nvPicPr>
+          <p:cNvPr id="50" name="" descr=""/>
+          <p:cNvPicPr/>
+          <p:nvPr/>
+        </p:nvPicPr>
+        <p:blipFill>
+          <a:blip r:embed="rId1"/>
+          <a:stretch/>
+        </p:blipFill>
+        <p:spPr>
+          <a:xfrm>
+            <a:off x="1958040" y="1294920"/>
+            <a:ext cx="7111800" cy="3771720"/>
+          </a:xfrm>
+          <a:prstGeom prst="rect">
+            <a:avLst/>
+          </a:prstGeom>
+          <a:ln>
+            <a:noFill/>
+          </a:ln>
+        </p:spPr>
+      </p:pic>
     </p:spTree>
   </p:cSld>
   <mc:AlternateContent>
@@ -3691,7 +3783,7 @@
       </p:grpSpPr>
       <p:sp>
         <p:nvSpPr>
-          <p:cNvPr id="47" name="CustomShape 1"/>
+          <p:cNvPr id="51" name="CustomShape 1"/>
           <p:cNvSpPr/>
           <p:nvPr/>
         </p:nvSpPr>
@@ -3740,6 +3832,29 @@
           </a:p>
         </p:txBody>
       </p:sp>
+      <p:pic>
+        <p:nvPicPr>
+          <p:cNvPr id="52" name="" descr=""/>
+          <p:cNvPicPr/>
+          <p:nvPr/>
+        </p:nvPicPr>
+        <p:blipFill>
+          <a:blip r:embed="rId1"/>
+          <a:stretch/>
+        </p:blipFill>
+        <p:spPr>
+          <a:xfrm>
+            <a:off x="1100520" y="736560"/>
+            <a:ext cx="7175160" cy="4241520"/>
+          </a:xfrm>
+          <a:prstGeom prst="rect">
+            <a:avLst/>
+          </a:prstGeom>
+          <a:ln>
+            <a:noFill/>
+          </a:ln>
+        </p:spPr>
+      </p:pic>
     </p:spTree>
   </p:cSld>
   <mc:AlternateContent>
@@ -3772,7 +3887,7 @@
       </p:grpSpPr>
       <p:sp>
         <p:nvSpPr>
-          <p:cNvPr id="48" name="CustomShape 1"/>
+          <p:cNvPr id="53" name="CustomShape 1"/>
           <p:cNvSpPr/>
           <p:nvPr/>
         </p:nvSpPr>
@@ -3821,6 +3936,29 @@
           </a:p>
         </p:txBody>
       </p:sp>
+      <p:pic>
+        <p:nvPicPr>
+          <p:cNvPr id="54" name="" descr=""/>
+          <p:cNvPicPr/>
+          <p:nvPr/>
+        </p:nvPicPr>
+        <p:blipFill>
+          <a:blip r:embed="rId1"/>
+          <a:stretch/>
+        </p:blipFill>
+        <p:spPr>
+          <a:xfrm>
+            <a:off x="3332520" y="10800"/>
+            <a:ext cx="5680440" cy="5670360"/>
+          </a:xfrm>
+          <a:prstGeom prst="rect">
+            <a:avLst/>
+          </a:prstGeom>
+          <a:ln>
+            <a:noFill/>
+          </a:ln>
+        </p:spPr>
+      </p:pic>
     </p:spTree>
   </p:cSld>
   <mc:AlternateContent>
